--- a/01_lectures/lecture_01/presentation.pptx
+++ b/01_lectures/lecture_01/presentation.pptx
@@ -300,7 +300,7 @@
           <a:p>
             <a:fld id="{53A991E7-4DC9-4E0A-97D8-D75A75B67893}" type="datetimeFigureOut">
               <a:rPr lang="ru-RU" smtClean="0"/>
-              <a:t>19.09.2022</a:t>
+              <a:t>25.09.2022</a:t>
             </a:fld>
             <a:endParaRPr lang="ru-RU"/>
           </a:p>
@@ -498,7 +498,7 @@
           <a:p>
             <a:fld id="{53A991E7-4DC9-4E0A-97D8-D75A75B67893}" type="datetimeFigureOut">
               <a:rPr lang="ru-RU" smtClean="0"/>
-              <a:t>19.09.2022</a:t>
+              <a:t>25.09.2022</a:t>
             </a:fld>
             <a:endParaRPr lang="ru-RU"/>
           </a:p>
@@ -706,7 +706,7 @@
           <a:p>
             <a:fld id="{53A991E7-4DC9-4E0A-97D8-D75A75B67893}" type="datetimeFigureOut">
               <a:rPr lang="ru-RU" smtClean="0"/>
-              <a:t>19.09.2022</a:t>
+              <a:t>25.09.2022</a:t>
             </a:fld>
             <a:endParaRPr lang="ru-RU"/>
           </a:p>
@@ -904,7 +904,7 @@
           <a:p>
             <a:fld id="{53A991E7-4DC9-4E0A-97D8-D75A75B67893}" type="datetimeFigureOut">
               <a:rPr lang="ru-RU" smtClean="0"/>
-              <a:t>19.09.2022</a:t>
+              <a:t>25.09.2022</a:t>
             </a:fld>
             <a:endParaRPr lang="ru-RU"/>
           </a:p>
@@ -1179,7 +1179,7 @@
           <a:p>
             <a:fld id="{53A991E7-4DC9-4E0A-97D8-D75A75B67893}" type="datetimeFigureOut">
               <a:rPr lang="ru-RU" smtClean="0"/>
-              <a:t>19.09.2022</a:t>
+              <a:t>25.09.2022</a:t>
             </a:fld>
             <a:endParaRPr lang="ru-RU"/>
           </a:p>
@@ -1444,7 +1444,7 @@
           <a:p>
             <a:fld id="{53A991E7-4DC9-4E0A-97D8-D75A75B67893}" type="datetimeFigureOut">
               <a:rPr lang="ru-RU" smtClean="0"/>
-              <a:t>19.09.2022</a:t>
+              <a:t>25.09.2022</a:t>
             </a:fld>
             <a:endParaRPr lang="ru-RU"/>
           </a:p>
@@ -1856,7 +1856,7 @@
           <a:p>
             <a:fld id="{53A991E7-4DC9-4E0A-97D8-D75A75B67893}" type="datetimeFigureOut">
               <a:rPr lang="ru-RU" smtClean="0"/>
-              <a:t>19.09.2022</a:t>
+              <a:t>25.09.2022</a:t>
             </a:fld>
             <a:endParaRPr lang="ru-RU"/>
           </a:p>
@@ -1997,7 +1997,7 @@
           <a:p>
             <a:fld id="{53A991E7-4DC9-4E0A-97D8-D75A75B67893}" type="datetimeFigureOut">
               <a:rPr lang="ru-RU" smtClean="0"/>
-              <a:t>19.09.2022</a:t>
+              <a:t>25.09.2022</a:t>
             </a:fld>
             <a:endParaRPr lang="ru-RU"/>
           </a:p>
@@ -2110,7 +2110,7 @@
           <a:p>
             <a:fld id="{53A991E7-4DC9-4E0A-97D8-D75A75B67893}" type="datetimeFigureOut">
               <a:rPr lang="ru-RU" smtClean="0"/>
-              <a:t>19.09.2022</a:t>
+              <a:t>25.09.2022</a:t>
             </a:fld>
             <a:endParaRPr lang="ru-RU"/>
           </a:p>
@@ -2421,7 +2421,7 @@
           <a:p>
             <a:fld id="{53A991E7-4DC9-4E0A-97D8-D75A75B67893}" type="datetimeFigureOut">
               <a:rPr lang="ru-RU" smtClean="0"/>
-              <a:t>19.09.2022</a:t>
+              <a:t>25.09.2022</a:t>
             </a:fld>
             <a:endParaRPr lang="ru-RU"/>
           </a:p>
@@ -2709,7 +2709,7 @@
           <a:p>
             <a:fld id="{53A991E7-4DC9-4E0A-97D8-D75A75B67893}" type="datetimeFigureOut">
               <a:rPr lang="ru-RU" smtClean="0"/>
-              <a:t>19.09.2022</a:t>
+              <a:t>25.09.2022</a:t>
             </a:fld>
             <a:endParaRPr lang="ru-RU"/>
           </a:p>
@@ -2950,7 +2950,7 @@
           <a:p>
             <a:fld id="{53A991E7-4DC9-4E0A-97D8-D75A75B67893}" type="datetimeFigureOut">
               <a:rPr lang="ru-RU" smtClean="0"/>
-              <a:t>19.09.2022</a:t>
+              <a:t>25.09.2022</a:t>
             </a:fld>
             <a:endParaRPr lang="ru-RU"/>
           </a:p>
@@ -14408,7 +14408,27 @@
                 <a:tab pos="457200" algn="l"/>
               </a:tabLst>
             </a:pPr>
-            <a:endParaRPr lang="en-US" sz="2000" b="0" i="0" dirty="0">
+            <a:r>
+              <a:rPr lang="en-US" sz="1600" b="0" i="0">
+                <a:solidFill>
+                  <a:srgbClr val="000000"/>
+                </a:solidFill>
+                <a:effectLst/>
+                <a:hlinkClick r:id="rId4"/>
+              </a:rPr>
+              <a:t>https</a:t>
+            </a:r>
+            <a:r>
+              <a:rPr lang="en-US" sz="1600" b="0" i="0" dirty="0">
+                <a:solidFill>
+                  <a:srgbClr val="000000"/>
+                </a:solidFill>
+                <a:effectLst/>
+                <a:hlinkClick r:id="rId4"/>
+              </a:rPr>
+              <a:t>://wandbox.org/permlink/m3cKnUElYupToS16</a:t>
+            </a:r>
+            <a:endParaRPr lang="ru-RU" sz="1600" b="0" i="0" dirty="0">
               <a:solidFill>
                 <a:srgbClr val="000000"/>
               </a:solidFill>
@@ -14416,27 +14436,6 @@
             </a:endParaRPr>
           </a:p>
           <a:p>
-            <a:pPr marL="0" indent="0">
-              <a:lnSpc>
-                <a:spcPct val="100000"/>
-              </a:lnSpc>
-              <a:spcBef>
-                <a:spcPts val="0"/>
-              </a:spcBef>
-              <a:buSzPts val="1000"/>
-              <a:buNone/>
-              <a:tabLst>
-                <a:tab pos="457200" algn="l"/>
-              </a:tabLst>
-            </a:pPr>
-            <a:endParaRPr lang="ru-RU" sz="2000" b="0" i="0" dirty="0">
-              <a:solidFill>
-                <a:srgbClr val="000000"/>
-              </a:solidFill>
-              <a:effectLst/>
-            </a:endParaRPr>
-          </a:p>
-          <a:p>
             <a:pPr marL="0" lvl="0" indent="0" algn="l">
               <a:lnSpc>
                 <a:spcPct val="150000"/>
@@ -14451,12 +14450,12 @@
               </a:tabLst>
             </a:pPr>
             <a:r>
-              <a:rPr lang="en-US" sz="2000" dirty="0">
-                <a:hlinkClick r:id="rId4"/>
+              <a:rPr lang="en-US" sz="1600" dirty="0">
+                <a:hlinkClick r:id="rId5"/>
               </a:rPr>
               <a:t>https://wandbox.org/permlink/8owSOyhi66nxgwdY</a:t>
             </a:r>
-            <a:endParaRPr lang="en-US" sz="2000" dirty="0"/>
+            <a:endParaRPr lang="en-US" sz="1600" dirty="0"/>
           </a:p>
           <a:p>
             <a:pPr marL="0" lvl="0" indent="0" algn="l">
@@ -14472,8 +14471,46 @@
                 <a:tab pos="457200" algn="l"/>
               </a:tabLst>
             </a:pPr>
+            <a:r>
+              <a:rPr lang="en-US" sz="1600" dirty="0">
+                <a:hlinkClick r:id="rId6"/>
+              </a:rPr>
+              <a:t>https://github.com/MikeMirzayanov/testlib/blob/7fd543d7e6ae36a04bb382c5ebb4eee254362c6a/testlib.h#L4304</a:t>
+            </a:r>
+            <a:endParaRPr lang="en-US" sz="1600" dirty="0"/>
+          </a:p>
+          <a:p>
+            <a:pPr marL="0" lvl="0" indent="0" algn="l">
+              <a:lnSpc>
+                <a:spcPct val="150000"/>
+              </a:lnSpc>
+              <a:spcBef>
+                <a:spcPts val="0"/>
+              </a:spcBef>
+              <a:buSzPts val="1000"/>
+              <a:buNone/>
+              <a:tabLst>
+                <a:tab pos="457200" algn="l"/>
+              </a:tabLst>
+            </a:pPr>
+            <a:endParaRPr lang="en-US" sz="2000" dirty="0"/>
+          </a:p>
+          <a:p>
+            <a:pPr marL="0" lvl="0" indent="0" algn="l">
+              <a:lnSpc>
+                <a:spcPct val="150000"/>
+              </a:lnSpc>
+              <a:spcBef>
+                <a:spcPts val="0"/>
+              </a:spcBef>
+              <a:buSzPts val="1000"/>
+              <a:buNone/>
+              <a:tabLst>
+                <a:tab pos="457200" algn="l"/>
+              </a:tabLst>
+            </a:pPr>
             <a:endParaRPr lang="ru-RU" sz="2000" dirty="0">
-              <a:hlinkClick r:id="rId5">
+              <a:hlinkClick r:id="rId7">
                 <a:extLst>
                   <a:ext uri="{A12FA001-AC4F-418D-AE19-62706E023703}">
                     <ahyp:hlinkClr xmlns:ahyp="http://schemas.microsoft.com/office/drawing/2018/hyperlinkcolor" val="tx"/>
